--- a/Prototype_Presentation.pptx
+++ b/Prototype_Presentation.pptx
@@ -15008,18 +15008,12 @@
               <a:rPr lang="en-US" dirty="0" smtClean="0"/>
               <a:t>We can easily change how many pitchers we look at in order to get a reasonable sample size for specific hitters</a:t>
             </a:r>
-            <a:endParaRPr lang="en-US" dirty="0" smtClean="0"/>
           </a:p>
           <a:p>
             <a:r>
               <a:rPr lang="en-US" dirty="0" smtClean="0"/>
-              <a:t>It appears that pitchers do not divid</a:t>
+              <a:t>It appears that pitchers do not divide neatly into clusters, so we are hesitant to move forward with k means clustering (our attempts have not led to stable clusters)</a:t>
             </a:r>
-            <a:r>
-              <a:rPr lang="en-US" dirty="0" smtClean="0"/>
-              <a:t>e neatly into clusters, so we are hesitant to move forward with k means clustering (our attempts have not led to stable clusters)</a:t>
-            </a:r>
-            <a:endParaRPr lang="en-US" dirty="0" smtClean="0"/>
           </a:p>
         </p:txBody>
       </p:sp>
@@ -15110,15 +15104,19 @@
             </a:r>
             <a:r>
               <a:rPr lang="en-US" dirty="0"/>
-              <a:t> different clusters that we determine from our analysis. Since all of the data is organized by at-bats, </a:t>
+              <a:t> different clusters that we determine from our analysis. Since all of the data is organized by at-bats</a:t>
             </a:r>
             <a:r>
-              <a:rPr lang="en-US" dirty="0" err="1"/>
-              <a:t>aggragating</a:t>
+              <a:rPr lang="en-US"/>
+              <a:t>, </a:t>
+            </a:r>
+            <a:r>
+              <a:rPr lang="en-US" smtClean="0"/>
+              <a:t>aggregating </a:t>
             </a:r>
             <a:r>
               <a:rPr lang="en-US" dirty="0"/>
-              <a:t> a single hitter's at-bats could be more computationally expensive and might require parallelization</a:t>
+              <a:t>a single hitter's at-bats could be more computationally expensive and might require parallelization</a:t>
             </a:r>
             <a:r>
               <a:rPr lang="en-US" dirty="0" smtClean="0"/>
